--- a/Web Development/portfolio/assets/img/portfolio/portfolio-3.pptx
+++ b/Web Development/portfolio/assets/img/portfolio/portfolio-3.pptx
@@ -243,7 +243,7 @@
           <a:p>
             <a:fld id="{6DCFAC01-F157-4908-8184-525CBA06D35D}" type="datetimeFigureOut">
               <a:rPr lang="en-AU" smtClean="0"/>
-              <a:t>28/08/2021</a:t>
+              <a:t>15/06/2021</a:t>
             </a:fld>
             <a:endParaRPr lang="en-AU"/>
           </a:p>
@@ -413,7 +413,7 @@
           <a:p>
             <a:fld id="{6DCFAC01-F157-4908-8184-525CBA06D35D}" type="datetimeFigureOut">
               <a:rPr lang="en-AU" smtClean="0"/>
-              <a:t>28/08/2021</a:t>
+              <a:t>15/06/2021</a:t>
             </a:fld>
             <a:endParaRPr lang="en-AU"/>
           </a:p>
@@ -593,7 +593,7 @@
           <a:p>
             <a:fld id="{6DCFAC01-F157-4908-8184-525CBA06D35D}" type="datetimeFigureOut">
               <a:rPr lang="en-AU" smtClean="0"/>
-              <a:t>28/08/2021</a:t>
+              <a:t>15/06/2021</a:t>
             </a:fld>
             <a:endParaRPr lang="en-AU"/>
           </a:p>
@@ -763,7 +763,7 @@
           <a:p>
             <a:fld id="{6DCFAC01-F157-4908-8184-525CBA06D35D}" type="datetimeFigureOut">
               <a:rPr lang="en-AU" smtClean="0"/>
-              <a:t>28/08/2021</a:t>
+              <a:t>15/06/2021</a:t>
             </a:fld>
             <a:endParaRPr lang="en-AU"/>
           </a:p>
@@ -1007,7 +1007,7 @@
           <a:p>
             <a:fld id="{6DCFAC01-F157-4908-8184-525CBA06D35D}" type="datetimeFigureOut">
               <a:rPr lang="en-AU" smtClean="0"/>
-              <a:t>28/08/2021</a:t>
+              <a:t>15/06/2021</a:t>
             </a:fld>
             <a:endParaRPr lang="en-AU"/>
           </a:p>
@@ -1239,7 +1239,7 @@
           <a:p>
             <a:fld id="{6DCFAC01-F157-4908-8184-525CBA06D35D}" type="datetimeFigureOut">
               <a:rPr lang="en-AU" smtClean="0"/>
-              <a:t>28/08/2021</a:t>
+              <a:t>15/06/2021</a:t>
             </a:fld>
             <a:endParaRPr lang="en-AU"/>
           </a:p>
@@ -1606,7 +1606,7 @@
           <a:p>
             <a:fld id="{6DCFAC01-F157-4908-8184-525CBA06D35D}" type="datetimeFigureOut">
               <a:rPr lang="en-AU" smtClean="0"/>
-              <a:t>28/08/2021</a:t>
+              <a:t>15/06/2021</a:t>
             </a:fld>
             <a:endParaRPr lang="en-AU"/>
           </a:p>
@@ -1724,7 +1724,7 @@
           <a:p>
             <a:fld id="{6DCFAC01-F157-4908-8184-525CBA06D35D}" type="datetimeFigureOut">
               <a:rPr lang="en-AU" smtClean="0"/>
-              <a:t>28/08/2021</a:t>
+              <a:t>15/06/2021</a:t>
             </a:fld>
             <a:endParaRPr lang="en-AU"/>
           </a:p>
@@ -1819,7 +1819,7 @@
           <a:p>
             <a:fld id="{6DCFAC01-F157-4908-8184-525CBA06D35D}" type="datetimeFigureOut">
               <a:rPr lang="en-AU" smtClean="0"/>
-              <a:t>28/08/2021</a:t>
+              <a:t>15/06/2021</a:t>
             </a:fld>
             <a:endParaRPr lang="en-AU"/>
           </a:p>
@@ -2096,7 +2096,7 @@
           <a:p>
             <a:fld id="{6DCFAC01-F157-4908-8184-525CBA06D35D}" type="datetimeFigureOut">
               <a:rPr lang="en-AU" smtClean="0"/>
-              <a:t>28/08/2021</a:t>
+              <a:t>15/06/2021</a:t>
             </a:fld>
             <a:endParaRPr lang="en-AU"/>
           </a:p>
@@ -2353,7 +2353,7 @@
           <a:p>
             <a:fld id="{6DCFAC01-F157-4908-8184-525CBA06D35D}" type="datetimeFigureOut">
               <a:rPr lang="en-AU" smtClean="0"/>
-              <a:t>28/08/2021</a:t>
+              <a:t>15/06/2021</a:t>
             </a:fld>
             <a:endParaRPr lang="en-AU"/>
           </a:p>
@@ -2566,7 +2566,7 @@
           <a:p>
             <a:fld id="{6DCFAC01-F157-4908-8184-525CBA06D35D}" type="datetimeFigureOut">
               <a:rPr lang="en-AU" smtClean="0"/>
-              <a:t>28/08/2021</a:t>
+              <a:t>15/06/2021</a:t>
             </a:fld>
             <a:endParaRPr lang="en-AU"/>
           </a:p>
@@ -2990,7 +2990,7 @@
         <p:spPr>
           <a:xfrm>
             <a:off x="1143000" y="1338607"/>
-            <a:ext cx="6858000" cy="4949651"/>
+            <a:ext cx="6858000" cy="3874417"/>
           </a:xfrm>
         </p:spPr>
         <p:txBody>
@@ -3000,32 +3000,10 @@
           <a:lstStyle/>
           <a:p>
             <a:r>
-              <a:rPr lang="en-US" sz="9000" b="1" dirty="0">
+              <a:rPr lang="en-US" sz="9000" b="1">
                 <a:latin typeface="+mn-lt"/>
               </a:rPr>
-              <a:t>Backend </a:t>
-            </a:r>
-            <a:br>
-              <a:rPr lang="en-US" sz="9000" b="1" dirty="0">
-                <a:latin typeface="+mn-lt"/>
-              </a:rPr>
-            </a:br>
-            <a:r>
-              <a:rPr lang="en-US" sz="9000" b="1" dirty="0">
-                <a:latin typeface="+mn-lt"/>
-              </a:rPr>
-              <a:t>Web Dev</a:t>
-            </a:r>
-            <a:br>
-              <a:rPr lang="en-US" sz="9000" b="1" dirty="0">
-                <a:latin typeface="+mn-lt"/>
-              </a:rPr>
-            </a:br>
-            <a:r>
-              <a:rPr lang="en-US" sz="9000" b="1" dirty="0">
-                <a:latin typeface="+mn-lt"/>
-              </a:rPr>
-              <a:t>(PHP, C#)</a:t>
+              <a:t>Databases</a:t>
             </a:r>
             <a:br>
               <a:rPr lang="en-US" sz="9000" b="1" dirty="0">
